--- a/Library database CLI.pptx
+++ b/Library database CLI.pptx
@@ -880,7 +880,7 @@
 <dgm:dataModel xmlns:dgm="http://schemas.openxmlformats.org/drawingml/2006/diagram" xmlns:a="http://schemas.openxmlformats.org/drawingml/2006/main">
   <dgm:ptLst>
     <dgm:pt modelId="{008BBC5F-EB52-4DCD-80F2-F7337E91B012}" type="doc">
-      <dgm:prSet loTypeId="urn:microsoft.com/office/officeart/2005/8/layout/list1" loCatId="list" qsTypeId="urn:microsoft.com/office/officeart/2005/8/quickstyle/simple1" qsCatId="simple" csTypeId="urn:microsoft.com/office/officeart/2005/8/colors/accent1_2" csCatId="accent1"/>
+      <dgm:prSet loTypeId="urn:microsoft.com/office/officeart/2005/8/layout/list1" loCatId="list" qsTypeId="urn:microsoft.com/office/officeart/2005/8/quickstyle/simple1" qsCatId="simple" csTypeId="urn:microsoft.com/office/officeart/2005/8/colors/accent1_2" csCatId="accent1" phldr="1"/>
       <dgm:spPr/>
       <dgm:t>
         <a:bodyPr/>
@@ -935,10 +935,10 @@
         <a:lstStyle/>
         <a:p>
           <a:r>
-            <a:rPr lang="en-US" b="0" i="0"/>
+            <a:rPr lang="en-US" b="0" i="0" dirty="0"/>
             <a:t>Features Overview:</a:t>
           </a:r>
-          <a:endParaRPr lang="en-US"/>
+          <a:endParaRPr lang="en-US" dirty="0"/>
         </a:p>
       </dgm:t>
     </dgm:pt>
@@ -1009,10 +1009,15 @@
         <a:lstStyle/>
         <a:p>
           <a:r>
-            <a:rPr lang="en-US" b="0" i="0"/>
-            <a:t>Conclusion:</a:t>
+            <a:rPr lang="en-US" dirty="0">
+              <a:solidFill>
+                <a:srgbClr val="EBEBEB"/>
+              </a:solidFill>
+              <a:effectLst/>
+            </a:rPr>
+            <a:t>Benefits:</a:t>
           </a:r>
-          <a:endParaRPr lang="en-US"/>
+          <a:endParaRPr lang="en-US" dirty="0"/>
         </a:p>
       </dgm:t>
     </dgm:pt>
@@ -1038,6 +1043,79 @@
         </a:p>
       </dgm:t>
     </dgm:pt>
+    <dgm:pt modelId="{98E68998-E87E-447C-A9C5-98FA0A9507E3}">
+      <dgm:prSet/>
+      <dgm:spPr/>
+      <dgm:t>
+        <a:bodyPr/>
+        <a:lstStyle/>
+        <a:p>
+          <a:r>
+            <a:rPr lang="en-US" dirty="0"/>
+            <a:t>Conclusion:</a:t>
+          </a:r>
+        </a:p>
+      </dgm:t>
+    </dgm:pt>
+    <dgm:pt modelId="{2BAF1EDA-53FF-4DFE-9B47-DC579A8543A8}" type="parTrans" cxnId="{B69A7ACD-DA0D-43F8-AC43-9B1E9C9D5491}">
+      <dgm:prSet/>
+      <dgm:spPr/>
+      <dgm:t>
+        <a:bodyPr/>
+        <a:lstStyle/>
+        <a:p>
+          <a:endParaRPr lang="en-US"/>
+        </a:p>
+      </dgm:t>
+    </dgm:pt>
+    <dgm:pt modelId="{86CA4499-37C3-4F81-A3DC-BF905E9DFC45}" type="sibTrans" cxnId="{B69A7ACD-DA0D-43F8-AC43-9B1E9C9D5491}">
+      <dgm:prSet/>
+      <dgm:spPr/>
+      <dgm:t>
+        <a:bodyPr/>
+        <a:lstStyle/>
+        <a:p>
+          <a:endParaRPr lang="en-US"/>
+        </a:p>
+      </dgm:t>
+    </dgm:pt>
+    <dgm:pt modelId="{9B72AE35-2E8F-4AD5-B67F-7C3A7806CE81}">
+      <dgm:prSet/>
+      <dgm:spPr/>
+      <dgm:t>
+        <a:bodyPr/>
+        <a:lstStyle/>
+        <a:p>
+          <a:r>
+            <a:rPr lang="nl-NL" dirty="0"/>
+            <a:t>ERD Diagram- Impelemantation</a:t>
+          </a:r>
+          <a:endParaRPr lang="en-US" dirty="0"/>
+        </a:p>
+      </dgm:t>
+    </dgm:pt>
+    <dgm:pt modelId="{0203596B-ABB6-4FEA-8EC5-CAC363A4E97B}" type="parTrans" cxnId="{19AADA28-669D-4FF1-A68A-0F815362807F}">
+      <dgm:prSet/>
+      <dgm:spPr/>
+      <dgm:t>
+        <a:bodyPr/>
+        <a:lstStyle/>
+        <a:p>
+          <a:endParaRPr lang="en-US"/>
+        </a:p>
+      </dgm:t>
+    </dgm:pt>
+    <dgm:pt modelId="{59EAB138-C1C1-4BC1-8AC4-7BAFDA73DA20}" type="sibTrans" cxnId="{19AADA28-669D-4FF1-A68A-0F815362807F}">
+      <dgm:prSet/>
+      <dgm:spPr/>
+      <dgm:t>
+        <a:bodyPr/>
+        <a:lstStyle/>
+        <a:p>
+          <a:endParaRPr lang="en-US"/>
+        </a:p>
+      </dgm:t>
+    </dgm:pt>
     <dgm:pt modelId="{8319C99E-9A9A-40D5-A259-ED1B52EFA52A}" type="pres">
       <dgm:prSet presAssocID="{008BBC5F-EB52-4DCD-80F2-F7337E91B012}" presName="linear" presStyleCnt="0">
         <dgm:presLayoutVars>
@@ -1053,11 +1131,11 @@
       <dgm:spPr/>
     </dgm:pt>
     <dgm:pt modelId="{26299B8D-AC0D-4B20-948E-BE9CE74B2090}" type="pres">
-      <dgm:prSet presAssocID="{D69F99B7-A14E-475E-BCF9-ED8F4D4882AA}" presName="parentLeftMargin" presStyleLbl="node1" presStyleIdx="0" presStyleCnt="4"/>
+      <dgm:prSet presAssocID="{D69F99B7-A14E-475E-BCF9-ED8F4D4882AA}" presName="parentLeftMargin" presStyleLbl="node1" presStyleIdx="0" presStyleCnt="6"/>
       <dgm:spPr/>
     </dgm:pt>
     <dgm:pt modelId="{A31BB5BF-6639-4BA0-ACDD-FCC4C3443CB7}" type="pres">
-      <dgm:prSet presAssocID="{D69F99B7-A14E-475E-BCF9-ED8F4D4882AA}" presName="parentText" presStyleLbl="node1" presStyleIdx="0" presStyleCnt="4">
+      <dgm:prSet presAssocID="{D69F99B7-A14E-475E-BCF9-ED8F4D4882AA}" presName="parentText" presStyleLbl="node1" presStyleIdx="0" presStyleCnt="6">
         <dgm:presLayoutVars>
           <dgm:chMax val="0"/>
           <dgm:bulletEnabled val="1"/>
@@ -1070,7 +1148,7 @@
       <dgm:spPr/>
     </dgm:pt>
     <dgm:pt modelId="{2FB51BF3-6D6C-4C30-8569-F4BA1D85B6B2}" type="pres">
-      <dgm:prSet presAssocID="{D69F99B7-A14E-475E-BCF9-ED8F4D4882AA}" presName="childText" presStyleLbl="conFgAcc1" presStyleIdx="0" presStyleCnt="4">
+      <dgm:prSet presAssocID="{D69F99B7-A14E-475E-BCF9-ED8F4D4882AA}" presName="childText" presStyleLbl="conFgAcc1" presStyleIdx="0" presStyleCnt="6">
         <dgm:presLayoutVars>
           <dgm:bulletEnabled val="1"/>
         </dgm:presLayoutVars>
@@ -1086,11 +1164,11 @@
       <dgm:spPr/>
     </dgm:pt>
     <dgm:pt modelId="{A1D0AA90-9FB2-4C75-997C-CADA1FB8470E}" type="pres">
-      <dgm:prSet presAssocID="{5DCBCA72-BAE6-4871-91CC-A723917F4934}" presName="parentLeftMargin" presStyleLbl="node1" presStyleIdx="0" presStyleCnt="4"/>
+      <dgm:prSet presAssocID="{5DCBCA72-BAE6-4871-91CC-A723917F4934}" presName="parentLeftMargin" presStyleLbl="node1" presStyleIdx="0" presStyleCnt="6"/>
       <dgm:spPr/>
     </dgm:pt>
     <dgm:pt modelId="{7D823C40-1444-4DAF-9FD8-858CA491955A}" type="pres">
-      <dgm:prSet presAssocID="{5DCBCA72-BAE6-4871-91CC-A723917F4934}" presName="parentText" presStyleLbl="node1" presStyleIdx="1" presStyleCnt="4">
+      <dgm:prSet presAssocID="{5DCBCA72-BAE6-4871-91CC-A723917F4934}" presName="parentText" presStyleLbl="node1" presStyleIdx="1" presStyleCnt="6">
         <dgm:presLayoutVars>
           <dgm:chMax val="0"/>
           <dgm:bulletEnabled val="1"/>
@@ -1103,7 +1181,7 @@
       <dgm:spPr/>
     </dgm:pt>
     <dgm:pt modelId="{7E0CDFBE-FC5A-451A-8311-242C9BB53783}" type="pres">
-      <dgm:prSet presAssocID="{5DCBCA72-BAE6-4871-91CC-A723917F4934}" presName="childText" presStyleLbl="conFgAcc1" presStyleIdx="1" presStyleCnt="4">
+      <dgm:prSet presAssocID="{5DCBCA72-BAE6-4871-91CC-A723917F4934}" presName="childText" presStyleLbl="conFgAcc1" presStyleIdx="1" presStyleCnt="6">
         <dgm:presLayoutVars>
           <dgm:bulletEnabled val="1"/>
         </dgm:presLayoutVars>
@@ -1114,16 +1192,49 @@
       <dgm:prSet presAssocID="{9C8CF339-EA77-47CB-8545-F4BF3ECE7221}" presName="spaceBetweenRectangles" presStyleCnt="0"/>
       <dgm:spPr/>
     </dgm:pt>
+    <dgm:pt modelId="{0244039C-0F1C-4227-A9C3-321D29E12980}" type="pres">
+      <dgm:prSet presAssocID="{9B72AE35-2E8F-4AD5-B67F-7C3A7806CE81}" presName="parentLin" presStyleCnt="0"/>
+      <dgm:spPr/>
+    </dgm:pt>
+    <dgm:pt modelId="{EBB2F255-9F0A-468D-B662-D15FD14C9DF9}" type="pres">
+      <dgm:prSet presAssocID="{9B72AE35-2E8F-4AD5-B67F-7C3A7806CE81}" presName="parentLeftMargin" presStyleLbl="node1" presStyleIdx="1" presStyleCnt="6"/>
+      <dgm:spPr/>
+    </dgm:pt>
+    <dgm:pt modelId="{109FD6E2-525F-4932-A6BB-48FC47307BA6}" type="pres">
+      <dgm:prSet presAssocID="{9B72AE35-2E8F-4AD5-B67F-7C3A7806CE81}" presName="parentText" presStyleLbl="node1" presStyleIdx="2" presStyleCnt="6">
+        <dgm:presLayoutVars>
+          <dgm:chMax val="0"/>
+          <dgm:bulletEnabled val="1"/>
+        </dgm:presLayoutVars>
+      </dgm:prSet>
+      <dgm:spPr/>
+    </dgm:pt>
+    <dgm:pt modelId="{EBFFED67-F43A-47F7-B908-847D34A8D6F1}" type="pres">
+      <dgm:prSet presAssocID="{9B72AE35-2E8F-4AD5-B67F-7C3A7806CE81}" presName="negativeSpace" presStyleCnt="0"/>
+      <dgm:spPr/>
+    </dgm:pt>
+    <dgm:pt modelId="{49BEA426-1CA8-42B6-846C-A6FCEEF6A421}" type="pres">
+      <dgm:prSet presAssocID="{9B72AE35-2E8F-4AD5-B67F-7C3A7806CE81}" presName="childText" presStyleLbl="conFgAcc1" presStyleIdx="2" presStyleCnt="6">
+        <dgm:presLayoutVars>
+          <dgm:bulletEnabled val="1"/>
+        </dgm:presLayoutVars>
+      </dgm:prSet>
+      <dgm:spPr/>
+    </dgm:pt>
+    <dgm:pt modelId="{6E61B0DC-EBC2-4668-B945-EA86BE47EAD7}" type="pres">
+      <dgm:prSet presAssocID="{59EAB138-C1C1-4BC1-8AC4-7BAFDA73DA20}" presName="spaceBetweenRectangles" presStyleCnt="0"/>
+      <dgm:spPr/>
+    </dgm:pt>
     <dgm:pt modelId="{632BC494-B67B-4BEC-A2AB-EA055A012FBE}" type="pres">
       <dgm:prSet presAssocID="{D7D8806F-DE4B-4E3C-AA78-2E42299DA86E}" presName="parentLin" presStyleCnt="0"/>
       <dgm:spPr/>
     </dgm:pt>
     <dgm:pt modelId="{D3F8E954-1AF7-44DA-A79B-A06C6FB43E9B}" type="pres">
-      <dgm:prSet presAssocID="{D7D8806F-DE4B-4E3C-AA78-2E42299DA86E}" presName="parentLeftMargin" presStyleLbl="node1" presStyleIdx="1" presStyleCnt="4"/>
+      <dgm:prSet presAssocID="{D7D8806F-DE4B-4E3C-AA78-2E42299DA86E}" presName="parentLeftMargin" presStyleLbl="node1" presStyleIdx="2" presStyleCnt="6"/>
       <dgm:spPr/>
     </dgm:pt>
     <dgm:pt modelId="{8CD10887-D0CB-487D-B4C5-4D8C37D7253E}" type="pres">
-      <dgm:prSet presAssocID="{D7D8806F-DE4B-4E3C-AA78-2E42299DA86E}" presName="parentText" presStyleLbl="node1" presStyleIdx="2" presStyleCnt="4">
+      <dgm:prSet presAssocID="{D7D8806F-DE4B-4E3C-AA78-2E42299DA86E}" presName="parentText" presStyleLbl="node1" presStyleIdx="3" presStyleCnt="6">
         <dgm:presLayoutVars>
           <dgm:chMax val="0"/>
           <dgm:bulletEnabled val="1"/>
@@ -1136,7 +1247,7 @@
       <dgm:spPr/>
     </dgm:pt>
     <dgm:pt modelId="{D8275AE2-59D4-4185-8D90-E7917BBF994B}" type="pres">
-      <dgm:prSet presAssocID="{D7D8806F-DE4B-4E3C-AA78-2E42299DA86E}" presName="childText" presStyleLbl="conFgAcc1" presStyleIdx="2" presStyleCnt="4">
+      <dgm:prSet presAssocID="{D7D8806F-DE4B-4E3C-AA78-2E42299DA86E}" presName="childText" presStyleLbl="conFgAcc1" presStyleIdx="3" presStyleCnt="6">
         <dgm:presLayoutVars>
           <dgm:bulletEnabled val="1"/>
         </dgm:presLayoutVars>
@@ -1152,11 +1263,11 @@
       <dgm:spPr/>
     </dgm:pt>
     <dgm:pt modelId="{B77EC0D9-7B48-48C1-9A50-C7DBCD32BD75}" type="pres">
-      <dgm:prSet presAssocID="{91F44F02-40CB-49A8-B029-7514B47C400E}" presName="parentLeftMargin" presStyleLbl="node1" presStyleIdx="2" presStyleCnt="4"/>
+      <dgm:prSet presAssocID="{91F44F02-40CB-49A8-B029-7514B47C400E}" presName="parentLeftMargin" presStyleLbl="node1" presStyleIdx="3" presStyleCnt="6"/>
       <dgm:spPr/>
     </dgm:pt>
     <dgm:pt modelId="{74E4FB55-E898-4B26-A26A-81D61A60734A}" type="pres">
-      <dgm:prSet presAssocID="{91F44F02-40CB-49A8-B029-7514B47C400E}" presName="parentText" presStyleLbl="node1" presStyleIdx="3" presStyleCnt="4">
+      <dgm:prSet presAssocID="{91F44F02-40CB-49A8-B029-7514B47C400E}" presName="parentText" presStyleLbl="node1" presStyleIdx="4" presStyleCnt="6">
         <dgm:presLayoutVars>
           <dgm:chMax val="0"/>
           <dgm:bulletEnabled val="1"/>
@@ -1169,7 +1280,40 @@
       <dgm:spPr/>
     </dgm:pt>
     <dgm:pt modelId="{A38208E2-6F66-49A2-92A8-8B54EF8B176C}" type="pres">
-      <dgm:prSet presAssocID="{91F44F02-40CB-49A8-B029-7514B47C400E}" presName="childText" presStyleLbl="conFgAcc1" presStyleIdx="3" presStyleCnt="4">
+      <dgm:prSet presAssocID="{91F44F02-40CB-49A8-B029-7514B47C400E}" presName="childText" presStyleLbl="conFgAcc1" presStyleIdx="4" presStyleCnt="6">
+        <dgm:presLayoutVars>
+          <dgm:bulletEnabled val="1"/>
+        </dgm:presLayoutVars>
+      </dgm:prSet>
+      <dgm:spPr/>
+    </dgm:pt>
+    <dgm:pt modelId="{5FCBD47F-91F7-4157-B908-67A116340606}" type="pres">
+      <dgm:prSet presAssocID="{ACE36456-23F0-4D86-A15C-F4E7A7C400FE}" presName="spaceBetweenRectangles" presStyleCnt="0"/>
+      <dgm:spPr/>
+    </dgm:pt>
+    <dgm:pt modelId="{8D177DEA-000D-4D01-86CC-D3458467F2A8}" type="pres">
+      <dgm:prSet presAssocID="{98E68998-E87E-447C-A9C5-98FA0A9507E3}" presName="parentLin" presStyleCnt="0"/>
+      <dgm:spPr/>
+    </dgm:pt>
+    <dgm:pt modelId="{7CE0C86D-3587-4567-B9B0-65BD320EFE26}" type="pres">
+      <dgm:prSet presAssocID="{98E68998-E87E-447C-A9C5-98FA0A9507E3}" presName="parentLeftMargin" presStyleLbl="node1" presStyleIdx="4" presStyleCnt="6"/>
+      <dgm:spPr/>
+    </dgm:pt>
+    <dgm:pt modelId="{8779D9F8-674F-405B-A3AC-0EE8EA3F08FA}" type="pres">
+      <dgm:prSet presAssocID="{98E68998-E87E-447C-A9C5-98FA0A9507E3}" presName="parentText" presStyleLbl="node1" presStyleIdx="5" presStyleCnt="6">
+        <dgm:presLayoutVars>
+          <dgm:chMax val="0"/>
+          <dgm:bulletEnabled val="1"/>
+        </dgm:presLayoutVars>
+      </dgm:prSet>
+      <dgm:spPr/>
+    </dgm:pt>
+    <dgm:pt modelId="{C5B6D4A7-AD3A-405E-8EE0-DBB4EED8E83F}" type="pres">
+      <dgm:prSet presAssocID="{98E68998-E87E-447C-A9C5-98FA0A9507E3}" presName="negativeSpace" presStyleCnt="0"/>
+      <dgm:spPr/>
+    </dgm:pt>
+    <dgm:pt modelId="{328E22DD-A671-4261-9C92-B335A1EC3643}" type="pres">
+      <dgm:prSet presAssocID="{98E68998-E87E-447C-A9C5-98FA0A9507E3}" presName="childText" presStyleLbl="conFgAcc1" presStyleIdx="5" presStyleCnt="6">
         <dgm:presLayoutVars>
           <dgm:bulletEnabled val="1"/>
         </dgm:presLayoutVars>
@@ -1178,19 +1322,25 @@
     </dgm:pt>
   </dgm:ptLst>
   <dgm:cxnLst>
-    <dgm:cxn modelId="{FF271B02-FCAC-4EF1-97A3-5461C2C4223D}" srcId="{008BBC5F-EB52-4DCD-80F2-F7337E91B012}" destId="{91F44F02-40CB-49A8-B029-7514B47C400E}" srcOrd="3" destOrd="0" parTransId="{F4D2C0DA-A6DC-4D2E-A55F-998CA3A72580}" sibTransId="{ACE36456-23F0-4D86-A15C-F4E7A7C400FE}"/>
+    <dgm:cxn modelId="{FF271B02-FCAC-4EF1-97A3-5461C2C4223D}" srcId="{008BBC5F-EB52-4DCD-80F2-F7337E91B012}" destId="{91F44F02-40CB-49A8-B029-7514B47C400E}" srcOrd="4" destOrd="0" parTransId="{F4D2C0DA-A6DC-4D2E-A55F-998CA3A72580}" sibTransId="{ACE36456-23F0-4D86-A15C-F4E7A7C400FE}"/>
+    <dgm:cxn modelId="{CE6B4C10-BFE7-44F5-8DAB-1DD119FC3A30}" type="presOf" srcId="{98E68998-E87E-447C-A9C5-98FA0A9507E3}" destId="{7CE0C86D-3587-4567-B9B0-65BD320EFE26}" srcOrd="0" destOrd="0" presId="urn:microsoft.com/office/officeart/2005/8/layout/list1"/>
+    <dgm:cxn modelId="{3CD75213-0868-405E-B3F4-ACB1DBEBD176}" type="presOf" srcId="{98E68998-E87E-447C-A9C5-98FA0A9507E3}" destId="{8779D9F8-674F-405B-A3AC-0EE8EA3F08FA}" srcOrd="1" destOrd="0" presId="urn:microsoft.com/office/officeart/2005/8/layout/list1"/>
     <dgm:cxn modelId="{1DEE5A1B-646F-4D14-9D53-106BF2E133F6}" type="presOf" srcId="{5DCBCA72-BAE6-4871-91CC-A723917F4934}" destId="{A1D0AA90-9FB2-4C75-997C-CADA1FB8470E}" srcOrd="0" destOrd="0" presId="urn:microsoft.com/office/officeart/2005/8/layout/list1"/>
+    <dgm:cxn modelId="{19AADA28-669D-4FF1-A68A-0F815362807F}" srcId="{008BBC5F-EB52-4DCD-80F2-F7337E91B012}" destId="{9B72AE35-2E8F-4AD5-B67F-7C3A7806CE81}" srcOrd="2" destOrd="0" parTransId="{0203596B-ABB6-4FEA-8EC5-CAC363A4E97B}" sibTransId="{59EAB138-C1C1-4BC1-8AC4-7BAFDA73DA20}"/>
     <dgm:cxn modelId="{D4B91A7D-6B20-4C90-A0D3-EFE7134F8019}" type="presOf" srcId="{008BBC5F-EB52-4DCD-80F2-F7337E91B012}" destId="{8319C99E-9A9A-40D5-A259-ED1B52EFA52A}" srcOrd="0" destOrd="0" presId="urn:microsoft.com/office/officeart/2005/8/layout/list1"/>
     <dgm:cxn modelId="{A399A48A-62E0-4114-AFE9-E748A1118F59}" type="presOf" srcId="{5DCBCA72-BAE6-4871-91CC-A723917F4934}" destId="{7D823C40-1444-4DAF-9FD8-858CA491955A}" srcOrd="1" destOrd="0" presId="urn:microsoft.com/office/officeart/2005/8/layout/list1"/>
     <dgm:cxn modelId="{2EF39493-8D2B-4086-9E64-CFCAC1BB5889}" srcId="{008BBC5F-EB52-4DCD-80F2-F7337E91B012}" destId="{D69F99B7-A14E-475E-BCF9-ED8F4D4882AA}" srcOrd="0" destOrd="0" parTransId="{5032849B-4CD0-4ED3-8AB9-018FCEEDEBBE}" sibTransId="{ED99E466-6B08-4587-9752-C26457B59093}"/>
     <dgm:cxn modelId="{AF42D197-3CDF-471C-8826-953C5257BF6E}" type="presOf" srcId="{D69F99B7-A14E-475E-BCF9-ED8F4D4882AA}" destId="{26299B8D-AC0D-4B20-948E-BE9CE74B2090}" srcOrd="0" destOrd="0" presId="urn:microsoft.com/office/officeart/2005/8/layout/list1"/>
     <dgm:cxn modelId="{F3DC4EA8-B3A4-45E4-AF85-05C3AF5BA07B}" srcId="{008BBC5F-EB52-4DCD-80F2-F7337E91B012}" destId="{5DCBCA72-BAE6-4871-91CC-A723917F4934}" srcOrd="1" destOrd="0" parTransId="{F7AD73F8-42B2-44A0-A7FD-E559C6ADA2AD}" sibTransId="{9C8CF339-EA77-47CB-8545-F4BF3ECE7221}"/>
     <dgm:cxn modelId="{EC3B96AE-A940-411F-8B15-4D29D9A620AE}" type="presOf" srcId="{91F44F02-40CB-49A8-B029-7514B47C400E}" destId="{74E4FB55-E898-4B26-A26A-81D61A60734A}" srcOrd="1" destOrd="0" presId="urn:microsoft.com/office/officeart/2005/8/layout/list1"/>
+    <dgm:cxn modelId="{77E803BC-6C3C-4924-995C-1D6E790991A7}" type="presOf" srcId="{9B72AE35-2E8F-4AD5-B67F-7C3A7806CE81}" destId="{109FD6E2-525F-4932-A6BB-48FC47307BA6}" srcOrd="1" destOrd="0" presId="urn:microsoft.com/office/officeart/2005/8/layout/list1"/>
     <dgm:cxn modelId="{3F1E61C0-9FC1-4650-A349-50133093A388}" type="presOf" srcId="{D7D8806F-DE4B-4E3C-AA78-2E42299DA86E}" destId="{D3F8E954-1AF7-44DA-A79B-A06C6FB43E9B}" srcOrd="0" destOrd="0" presId="urn:microsoft.com/office/officeart/2005/8/layout/list1"/>
     <dgm:cxn modelId="{8EF2C4C0-B5DA-46B0-A54D-EDD578AD4F62}" type="presOf" srcId="{D69F99B7-A14E-475E-BCF9-ED8F4D4882AA}" destId="{A31BB5BF-6639-4BA0-ACDD-FCC4C3443CB7}" srcOrd="1" destOrd="0" presId="urn:microsoft.com/office/officeart/2005/8/layout/list1"/>
+    <dgm:cxn modelId="{B69A7ACD-DA0D-43F8-AC43-9B1E9C9D5491}" srcId="{008BBC5F-EB52-4DCD-80F2-F7337E91B012}" destId="{98E68998-E87E-447C-A9C5-98FA0A9507E3}" srcOrd="5" destOrd="0" parTransId="{2BAF1EDA-53FF-4DFE-9B47-DC579A8543A8}" sibTransId="{86CA4499-37C3-4F81-A3DC-BF905E9DFC45}"/>
     <dgm:cxn modelId="{DB0A39CF-C8F8-49BB-9DA1-4049A43AD1C3}" type="presOf" srcId="{D7D8806F-DE4B-4E3C-AA78-2E42299DA86E}" destId="{8CD10887-D0CB-487D-B4C5-4D8C37D7253E}" srcOrd="1" destOrd="0" presId="urn:microsoft.com/office/officeart/2005/8/layout/list1"/>
+    <dgm:cxn modelId="{4CB575DA-C752-4D3A-B868-BA7D20428E70}" type="presOf" srcId="{9B72AE35-2E8F-4AD5-B67F-7C3A7806CE81}" destId="{EBB2F255-9F0A-468D-B662-D15FD14C9DF9}" srcOrd="0" destOrd="0" presId="urn:microsoft.com/office/officeart/2005/8/layout/list1"/>
     <dgm:cxn modelId="{F8F8B1E1-C2DE-4DB5-A4DA-83184F4FD630}" type="presOf" srcId="{91F44F02-40CB-49A8-B029-7514B47C400E}" destId="{B77EC0D9-7B48-48C1-9A50-C7DBCD32BD75}" srcOrd="0" destOrd="0" presId="urn:microsoft.com/office/officeart/2005/8/layout/list1"/>
-    <dgm:cxn modelId="{D8DB7AEB-01D4-4CD6-A15C-1995F5D25721}" srcId="{008BBC5F-EB52-4DCD-80F2-F7337E91B012}" destId="{D7D8806F-DE4B-4E3C-AA78-2E42299DA86E}" srcOrd="2" destOrd="0" parTransId="{A9FABB93-CD09-463E-B7C6-4900A6585366}" sibTransId="{E59B2110-F579-412E-B80E-B79E11D3CBBC}"/>
+    <dgm:cxn modelId="{D8DB7AEB-01D4-4CD6-A15C-1995F5D25721}" srcId="{008BBC5F-EB52-4DCD-80F2-F7337E91B012}" destId="{D7D8806F-DE4B-4E3C-AA78-2E42299DA86E}" srcOrd="3" destOrd="0" parTransId="{A9FABB93-CD09-463E-B7C6-4900A6585366}" sibTransId="{E59B2110-F579-412E-B80E-B79E11D3CBBC}"/>
     <dgm:cxn modelId="{F75E71F2-A760-4090-84D6-66D090E132A1}" type="presParOf" srcId="{8319C99E-9A9A-40D5-A259-ED1B52EFA52A}" destId="{364F0F99-3D60-46F1-91EA-29107C2A7EC5}" srcOrd="0" destOrd="0" presId="urn:microsoft.com/office/officeart/2005/8/layout/list1"/>
     <dgm:cxn modelId="{A60C65F7-0691-455F-97D2-C837AC35B493}" type="presParOf" srcId="{364F0F99-3D60-46F1-91EA-29107C2A7EC5}" destId="{26299B8D-AC0D-4B20-948E-BE9CE74B2090}" srcOrd="0" destOrd="0" presId="urn:microsoft.com/office/officeart/2005/8/layout/list1"/>
     <dgm:cxn modelId="{96E493B0-03E8-4E17-9AD2-7B6F0C921B20}" type="presParOf" srcId="{364F0F99-3D60-46F1-91EA-29107C2A7EC5}" destId="{A31BB5BF-6639-4BA0-ACDD-FCC4C3443CB7}" srcOrd="1" destOrd="0" presId="urn:microsoft.com/office/officeart/2005/8/layout/list1"/>
@@ -1203,17 +1353,29 @@
     <dgm:cxn modelId="{C04699AB-B8C7-426E-9528-E2E7CBBFDB0E}" type="presParOf" srcId="{8319C99E-9A9A-40D5-A259-ED1B52EFA52A}" destId="{B853143F-B2BE-4FC4-BED8-C67213B651C8}" srcOrd="5" destOrd="0" presId="urn:microsoft.com/office/officeart/2005/8/layout/list1"/>
     <dgm:cxn modelId="{0721F70E-E6EB-4C49-8A06-D98BE4B06B5B}" type="presParOf" srcId="{8319C99E-9A9A-40D5-A259-ED1B52EFA52A}" destId="{7E0CDFBE-FC5A-451A-8311-242C9BB53783}" srcOrd="6" destOrd="0" presId="urn:microsoft.com/office/officeart/2005/8/layout/list1"/>
     <dgm:cxn modelId="{8CC9BC49-D308-4E74-BC0C-F091043E7F04}" type="presParOf" srcId="{8319C99E-9A9A-40D5-A259-ED1B52EFA52A}" destId="{81AF76B6-197F-4CDC-9BA0-63780E378982}" srcOrd="7" destOrd="0" presId="urn:microsoft.com/office/officeart/2005/8/layout/list1"/>
-    <dgm:cxn modelId="{410A34B0-80BB-4BC4-AE37-006F7F54566A}" type="presParOf" srcId="{8319C99E-9A9A-40D5-A259-ED1B52EFA52A}" destId="{632BC494-B67B-4BEC-A2AB-EA055A012FBE}" srcOrd="8" destOrd="0" presId="urn:microsoft.com/office/officeart/2005/8/layout/list1"/>
+    <dgm:cxn modelId="{271ED2AC-034F-4844-A590-31E78245C7ED}" type="presParOf" srcId="{8319C99E-9A9A-40D5-A259-ED1B52EFA52A}" destId="{0244039C-0F1C-4227-A9C3-321D29E12980}" srcOrd="8" destOrd="0" presId="urn:microsoft.com/office/officeart/2005/8/layout/list1"/>
+    <dgm:cxn modelId="{290786C2-CD0C-44E0-B492-A185E0FD71E2}" type="presParOf" srcId="{0244039C-0F1C-4227-A9C3-321D29E12980}" destId="{EBB2F255-9F0A-468D-B662-D15FD14C9DF9}" srcOrd="0" destOrd="0" presId="urn:microsoft.com/office/officeart/2005/8/layout/list1"/>
+    <dgm:cxn modelId="{552D9E9E-EBF7-42AA-B2FC-2BB0898E004C}" type="presParOf" srcId="{0244039C-0F1C-4227-A9C3-321D29E12980}" destId="{109FD6E2-525F-4932-A6BB-48FC47307BA6}" srcOrd="1" destOrd="0" presId="urn:microsoft.com/office/officeart/2005/8/layout/list1"/>
+    <dgm:cxn modelId="{2D0A6671-A0E2-44A6-A0DF-B0BADD50D68B}" type="presParOf" srcId="{8319C99E-9A9A-40D5-A259-ED1B52EFA52A}" destId="{EBFFED67-F43A-47F7-B908-847D34A8D6F1}" srcOrd="9" destOrd="0" presId="urn:microsoft.com/office/officeart/2005/8/layout/list1"/>
+    <dgm:cxn modelId="{495832E9-EC65-4497-B4C7-19A77726EAC5}" type="presParOf" srcId="{8319C99E-9A9A-40D5-A259-ED1B52EFA52A}" destId="{49BEA426-1CA8-42B6-846C-A6FCEEF6A421}" srcOrd="10" destOrd="0" presId="urn:microsoft.com/office/officeart/2005/8/layout/list1"/>
+    <dgm:cxn modelId="{B516BA08-92F1-477C-9AE1-ECD720F7530E}" type="presParOf" srcId="{8319C99E-9A9A-40D5-A259-ED1B52EFA52A}" destId="{6E61B0DC-EBC2-4668-B945-EA86BE47EAD7}" srcOrd="11" destOrd="0" presId="urn:microsoft.com/office/officeart/2005/8/layout/list1"/>
+    <dgm:cxn modelId="{410A34B0-80BB-4BC4-AE37-006F7F54566A}" type="presParOf" srcId="{8319C99E-9A9A-40D5-A259-ED1B52EFA52A}" destId="{632BC494-B67B-4BEC-A2AB-EA055A012FBE}" srcOrd="12" destOrd="0" presId="urn:microsoft.com/office/officeart/2005/8/layout/list1"/>
     <dgm:cxn modelId="{AA2CFD95-72EC-45CF-98A4-376AAF3F0A88}" type="presParOf" srcId="{632BC494-B67B-4BEC-A2AB-EA055A012FBE}" destId="{D3F8E954-1AF7-44DA-A79B-A06C6FB43E9B}" srcOrd="0" destOrd="0" presId="urn:microsoft.com/office/officeart/2005/8/layout/list1"/>
     <dgm:cxn modelId="{D689F37F-5C0F-4C0B-83CF-85C9310832BD}" type="presParOf" srcId="{632BC494-B67B-4BEC-A2AB-EA055A012FBE}" destId="{8CD10887-D0CB-487D-B4C5-4D8C37D7253E}" srcOrd="1" destOrd="0" presId="urn:microsoft.com/office/officeart/2005/8/layout/list1"/>
-    <dgm:cxn modelId="{77F925B1-0729-4557-8F09-2340B45F6FD3}" type="presParOf" srcId="{8319C99E-9A9A-40D5-A259-ED1B52EFA52A}" destId="{D807AFEC-7D17-4A57-88D3-703641962B2F}" srcOrd="9" destOrd="0" presId="urn:microsoft.com/office/officeart/2005/8/layout/list1"/>
-    <dgm:cxn modelId="{E4C30A3C-D6DC-4E95-A76B-453338F62988}" type="presParOf" srcId="{8319C99E-9A9A-40D5-A259-ED1B52EFA52A}" destId="{D8275AE2-59D4-4185-8D90-E7917BBF994B}" srcOrd="10" destOrd="0" presId="urn:microsoft.com/office/officeart/2005/8/layout/list1"/>
-    <dgm:cxn modelId="{EF8C8727-07EE-4809-94A6-E213A9BEBF98}" type="presParOf" srcId="{8319C99E-9A9A-40D5-A259-ED1B52EFA52A}" destId="{74C88432-0125-4DDF-999B-86C6569ED6F9}" srcOrd="11" destOrd="0" presId="urn:microsoft.com/office/officeart/2005/8/layout/list1"/>
-    <dgm:cxn modelId="{E4167264-9AAA-40CB-B620-A1BB51C580D7}" type="presParOf" srcId="{8319C99E-9A9A-40D5-A259-ED1B52EFA52A}" destId="{D97CD0FE-3B3C-41E4-9649-C92C5C41F851}" srcOrd="12" destOrd="0" presId="urn:microsoft.com/office/officeart/2005/8/layout/list1"/>
+    <dgm:cxn modelId="{77F925B1-0729-4557-8F09-2340B45F6FD3}" type="presParOf" srcId="{8319C99E-9A9A-40D5-A259-ED1B52EFA52A}" destId="{D807AFEC-7D17-4A57-88D3-703641962B2F}" srcOrd="13" destOrd="0" presId="urn:microsoft.com/office/officeart/2005/8/layout/list1"/>
+    <dgm:cxn modelId="{E4C30A3C-D6DC-4E95-A76B-453338F62988}" type="presParOf" srcId="{8319C99E-9A9A-40D5-A259-ED1B52EFA52A}" destId="{D8275AE2-59D4-4185-8D90-E7917BBF994B}" srcOrd="14" destOrd="0" presId="urn:microsoft.com/office/officeart/2005/8/layout/list1"/>
+    <dgm:cxn modelId="{EF8C8727-07EE-4809-94A6-E213A9BEBF98}" type="presParOf" srcId="{8319C99E-9A9A-40D5-A259-ED1B52EFA52A}" destId="{74C88432-0125-4DDF-999B-86C6569ED6F9}" srcOrd="15" destOrd="0" presId="urn:microsoft.com/office/officeart/2005/8/layout/list1"/>
+    <dgm:cxn modelId="{E4167264-9AAA-40CB-B620-A1BB51C580D7}" type="presParOf" srcId="{8319C99E-9A9A-40D5-A259-ED1B52EFA52A}" destId="{D97CD0FE-3B3C-41E4-9649-C92C5C41F851}" srcOrd="16" destOrd="0" presId="urn:microsoft.com/office/officeart/2005/8/layout/list1"/>
     <dgm:cxn modelId="{580FA88C-8894-4597-8752-3DFD67A72C2E}" type="presParOf" srcId="{D97CD0FE-3B3C-41E4-9649-C92C5C41F851}" destId="{B77EC0D9-7B48-48C1-9A50-C7DBCD32BD75}" srcOrd="0" destOrd="0" presId="urn:microsoft.com/office/officeart/2005/8/layout/list1"/>
     <dgm:cxn modelId="{A125678B-120D-4183-8374-20AC0A50E1FD}" type="presParOf" srcId="{D97CD0FE-3B3C-41E4-9649-C92C5C41F851}" destId="{74E4FB55-E898-4B26-A26A-81D61A60734A}" srcOrd="1" destOrd="0" presId="urn:microsoft.com/office/officeart/2005/8/layout/list1"/>
-    <dgm:cxn modelId="{0EC6F730-6B79-438D-85EB-91F17A274701}" type="presParOf" srcId="{8319C99E-9A9A-40D5-A259-ED1B52EFA52A}" destId="{A5ECE38D-8D1D-4427-84A9-A46DF0A7481E}" srcOrd="13" destOrd="0" presId="urn:microsoft.com/office/officeart/2005/8/layout/list1"/>
-    <dgm:cxn modelId="{9CA91BF7-C2B4-4CDC-8B50-B520A27509CD}" type="presParOf" srcId="{8319C99E-9A9A-40D5-A259-ED1B52EFA52A}" destId="{A38208E2-6F66-49A2-92A8-8B54EF8B176C}" srcOrd="14" destOrd="0" presId="urn:microsoft.com/office/officeart/2005/8/layout/list1"/>
+    <dgm:cxn modelId="{0EC6F730-6B79-438D-85EB-91F17A274701}" type="presParOf" srcId="{8319C99E-9A9A-40D5-A259-ED1B52EFA52A}" destId="{A5ECE38D-8D1D-4427-84A9-A46DF0A7481E}" srcOrd="17" destOrd="0" presId="urn:microsoft.com/office/officeart/2005/8/layout/list1"/>
+    <dgm:cxn modelId="{9CA91BF7-C2B4-4CDC-8B50-B520A27509CD}" type="presParOf" srcId="{8319C99E-9A9A-40D5-A259-ED1B52EFA52A}" destId="{A38208E2-6F66-49A2-92A8-8B54EF8B176C}" srcOrd="18" destOrd="0" presId="urn:microsoft.com/office/officeart/2005/8/layout/list1"/>
+    <dgm:cxn modelId="{20E25005-34FD-4541-9821-747DDD5FFF5A}" type="presParOf" srcId="{8319C99E-9A9A-40D5-A259-ED1B52EFA52A}" destId="{5FCBD47F-91F7-4157-B908-67A116340606}" srcOrd="19" destOrd="0" presId="urn:microsoft.com/office/officeart/2005/8/layout/list1"/>
+    <dgm:cxn modelId="{3B5771FC-D08D-4944-A798-06125CC868E0}" type="presParOf" srcId="{8319C99E-9A9A-40D5-A259-ED1B52EFA52A}" destId="{8D177DEA-000D-4D01-86CC-D3458467F2A8}" srcOrd="20" destOrd="0" presId="urn:microsoft.com/office/officeart/2005/8/layout/list1"/>
+    <dgm:cxn modelId="{3BE2CF5C-C81B-4223-A914-D86012A1F680}" type="presParOf" srcId="{8D177DEA-000D-4D01-86CC-D3458467F2A8}" destId="{7CE0C86D-3587-4567-B9B0-65BD320EFE26}" srcOrd="0" destOrd="0" presId="urn:microsoft.com/office/officeart/2005/8/layout/list1"/>
+    <dgm:cxn modelId="{BF289A3B-862B-4E7D-B3E8-E9E970D5340B}" type="presParOf" srcId="{8D177DEA-000D-4D01-86CC-D3458467F2A8}" destId="{8779D9F8-674F-405B-A3AC-0EE8EA3F08FA}" srcOrd="1" destOrd="0" presId="urn:microsoft.com/office/officeart/2005/8/layout/list1"/>
+    <dgm:cxn modelId="{3830E8F0-79BB-422F-A724-568C2665E272}" type="presParOf" srcId="{8319C99E-9A9A-40D5-A259-ED1B52EFA52A}" destId="{C5B6D4A7-AD3A-405E-8EE0-DBB4EED8E83F}" srcOrd="21" destOrd="0" presId="urn:microsoft.com/office/officeart/2005/8/layout/list1"/>
+    <dgm:cxn modelId="{E696DC9A-7DF7-47ED-97D1-D7091FA96695}" type="presParOf" srcId="{8319C99E-9A9A-40D5-A259-ED1B52EFA52A}" destId="{328E22DD-A671-4261-9C92-B335A1EC3643}" srcOrd="22" destOrd="0" presId="urn:microsoft.com/office/officeart/2005/8/layout/list1"/>
   </dgm:cxnLst>
   <dgm:bg/>
   <dgm:whole/>
@@ -1240,8 +1402,8 @@
       </dsp:nvSpPr>
       <dsp:spPr>
         <a:xfrm>
-          <a:off x="0" y="354249"/>
-          <a:ext cx="6188188" cy="529200"/>
+          <a:off x="0" y="232029"/>
+          <a:ext cx="6188188" cy="352800"/>
         </a:xfrm>
         <a:prstGeom prst="rect">
           <a:avLst/>
@@ -1288,8 +1450,8 @@
       </dsp:nvSpPr>
       <dsp:spPr>
         <a:xfrm>
-          <a:off x="309409" y="44289"/>
-          <a:ext cx="4331732" cy="619920"/>
+          <a:off x="309409" y="25389"/>
+          <a:ext cx="4331732" cy="413280"/>
         </a:xfrm>
         <a:prstGeom prst="roundRect">
           <a:avLst/>
@@ -1335,7 +1497,7 @@
         </a:bodyPr>
         <a:lstStyle/>
         <a:p>
-          <a:pPr marL="0" lvl="0" indent="0" algn="l" defTabSz="933450">
+          <a:pPr marL="0" lvl="0" indent="0" algn="l" defTabSz="622300">
             <a:lnSpc>
               <a:spcPct val="90000"/>
             </a:lnSpc>
@@ -1348,15 +1510,15 @@
             <a:buNone/>
           </a:pPr>
           <a:r>
-            <a:rPr lang="en-US" sz="2100" b="0" i="0" kern="1200"/>
+            <a:rPr lang="en-US" sz="1400" b="0" i="0" kern="1200"/>
             <a:t>Introduction:</a:t>
           </a:r>
-          <a:endParaRPr lang="en-US" sz="2100" kern="1200"/>
+          <a:endParaRPr lang="en-US" sz="1400" kern="1200"/>
         </a:p>
       </dsp:txBody>
       <dsp:txXfrm>
-        <a:off x="339671" y="74551"/>
-        <a:ext cx="4271208" cy="559396"/>
+        <a:off x="329584" y="45564"/>
+        <a:ext cx="4291382" cy="372930"/>
       </dsp:txXfrm>
     </dsp:sp>
     <dsp:sp modelId="{7E0CDFBE-FC5A-451A-8311-242C9BB53783}">
@@ -1366,8 +1528,8 @@
       </dsp:nvSpPr>
       <dsp:spPr>
         <a:xfrm>
-          <a:off x="0" y="1306809"/>
-          <a:ext cx="6188188" cy="529200"/>
+          <a:off x="0" y="867069"/>
+          <a:ext cx="6188188" cy="352800"/>
         </a:xfrm>
         <a:prstGeom prst="rect">
           <a:avLst/>
@@ -1414,8 +1576,8 @@
       </dsp:nvSpPr>
       <dsp:spPr>
         <a:xfrm>
-          <a:off x="309409" y="996849"/>
-          <a:ext cx="4331732" cy="619920"/>
+          <a:off x="309409" y="660429"/>
+          <a:ext cx="4331732" cy="413280"/>
         </a:xfrm>
         <a:prstGeom prst="roundRect">
           <a:avLst/>
@@ -1461,7 +1623,7 @@
         </a:bodyPr>
         <a:lstStyle/>
         <a:p>
-          <a:pPr marL="0" lvl="0" indent="0" algn="l" defTabSz="933450">
+          <a:pPr marL="0" lvl="0" indent="0" algn="l" defTabSz="622300">
             <a:lnSpc>
               <a:spcPct val="90000"/>
             </a:lnSpc>
@@ -1474,15 +1636,141 @@
             <a:buNone/>
           </a:pPr>
           <a:r>
-            <a:rPr lang="en-US" sz="2100" b="0" i="0" kern="1200"/>
+            <a:rPr lang="en-US" sz="1400" b="0" i="0" kern="1200" dirty="0"/>
             <a:t>Features Overview:</a:t>
           </a:r>
-          <a:endParaRPr lang="en-US" sz="2100" kern="1200"/>
+          <a:endParaRPr lang="en-US" sz="1400" kern="1200" dirty="0"/>
         </a:p>
       </dsp:txBody>
       <dsp:txXfrm>
-        <a:off x="339671" y="1027111"/>
-        <a:ext cx="4271208" cy="559396"/>
+        <a:off x="329584" y="680604"/>
+        <a:ext cx="4291382" cy="372930"/>
+      </dsp:txXfrm>
+    </dsp:sp>
+    <dsp:sp modelId="{49BEA426-1CA8-42B6-846C-A6FCEEF6A421}">
+      <dsp:nvSpPr>
+        <dsp:cNvPr id="0" name=""/>
+        <dsp:cNvSpPr/>
+      </dsp:nvSpPr>
+      <dsp:spPr>
+        <a:xfrm>
+          <a:off x="0" y="1502109"/>
+          <a:ext cx="6188188" cy="352800"/>
+        </a:xfrm>
+        <a:prstGeom prst="rect">
+          <a:avLst/>
+        </a:prstGeom>
+        <a:solidFill>
+          <a:schemeClr val="lt1">
+            <a:alpha val="90000"/>
+            <a:hueOff val="0"/>
+            <a:satOff val="0"/>
+            <a:lumOff val="0"/>
+            <a:alphaOff val="0"/>
+          </a:schemeClr>
+        </a:solidFill>
+        <a:ln w="19050" cap="rnd" cmpd="sng" algn="ctr">
+          <a:solidFill>
+            <a:schemeClr val="accent1">
+              <a:hueOff val="0"/>
+              <a:satOff val="0"/>
+              <a:lumOff val="0"/>
+              <a:alphaOff val="0"/>
+            </a:schemeClr>
+          </a:solidFill>
+          <a:prstDash val="solid"/>
+        </a:ln>
+        <a:effectLst/>
+      </dsp:spPr>
+      <dsp:style>
+        <a:lnRef idx="2">
+          <a:scrgbClr r="0" g="0" b="0"/>
+        </a:lnRef>
+        <a:fillRef idx="1">
+          <a:scrgbClr r="0" g="0" b="0"/>
+        </a:fillRef>
+        <a:effectRef idx="0">
+          <a:scrgbClr r="0" g="0" b="0"/>
+        </a:effectRef>
+        <a:fontRef idx="minor"/>
+      </dsp:style>
+    </dsp:sp>
+    <dsp:sp modelId="{109FD6E2-525F-4932-A6BB-48FC47307BA6}">
+      <dsp:nvSpPr>
+        <dsp:cNvPr id="0" name=""/>
+        <dsp:cNvSpPr/>
+      </dsp:nvSpPr>
+      <dsp:spPr>
+        <a:xfrm>
+          <a:off x="309409" y="1295469"/>
+          <a:ext cx="4331732" cy="413280"/>
+        </a:xfrm>
+        <a:prstGeom prst="roundRect">
+          <a:avLst/>
+        </a:prstGeom>
+        <a:solidFill>
+          <a:schemeClr val="accent1">
+            <a:hueOff val="0"/>
+            <a:satOff val="0"/>
+            <a:lumOff val="0"/>
+            <a:alphaOff val="0"/>
+          </a:schemeClr>
+        </a:solidFill>
+        <a:ln w="19050" cap="rnd" cmpd="sng" algn="ctr">
+          <a:solidFill>
+            <a:schemeClr val="lt1">
+              <a:hueOff val="0"/>
+              <a:satOff val="0"/>
+              <a:lumOff val="0"/>
+              <a:alphaOff val="0"/>
+            </a:schemeClr>
+          </a:solidFill>
+          <a:prstDash val="solid"/>
+        </a:ln>
+        <a:effectLst/>
+      </dsp:spPr>
+      <dsp:style>
+        <a:lnRef idx="2">
+          <a:scrgbClr r="0" g="0" b="0"/>
+        </a:lnRef>
+        <a:fillRef idx="1">
+          <a:scrgbClr r="0" g="0" b="0"/>
+        </a:fillRef>
+        <a:effectRef idx="0">
+          <a:scrgbClr r="0" g="0" b="0"/>
+        </a:effectRef>
+        <a:fontRef idx="minor">
+          <a:schemeClr val="lt1"/>
+        </a:fontRef>
+      </dsp:style>
+      <dsp:txBody>
+        <a:bodyPr spcFirstLastPara="0" vert="horz" wrap="square" lIns="163729" tIns="0" rIns="163729" bIns="0" numCol="1" spcCol="1270" anchor="ctr" anchorCtr="0">
+          <a:noAutofit/>
+        </a:bodyPr>
+        <a:lstStyle/>
+        <a:p>
+          <a:pPr marL="0" lvl="0" indent="0" algn="l" defTabSz="622300">
+            <a:lnSpc>
+              <a:spcPct val="90000"/>
+            </a:lnSpc>
+            <a:spcBef>
+              <a:spcPct val="0"/>
+            </a:spcBef>
+            <a:spcAft>
+              <a:spcPct val="35000"/>
+            </a:spcAft>
+            <a:buNone/>
+          </a:pPr>
+          <a:r>
+            <a:rPr lang="nl-NL" sz="1400" kern="1200" dirty="0"/>
+            <a:t>ERD Diagram- Impelemantation</a:t>
+          </a:r>
+          <a:endParaRPr lang="en-US" sz="1400" kern="1200" dirty="0"/>
+        </a:p>
+      </dsp:txBody>
+      <dsp:txXfrm>
+        <a:off x="329584" y="1315644"/>
+        <a:ext cx="4291382" cy="372930"/>
       </dsp:txXfrm>
     </dsp:sp>
     <dsp:sp modelId="{D8275AE2-59D4-4185-8D90-E7917BBF994B}">
@@ -1492,8 +1780,8 @@
       </dsp:nvSpPr>
       <dsp:spPr>
         <a:xfrm>
-          <a:off x="0" y="2259369"/>
-          <a:ext cx="6188188" cy="529200"/>
+          <a:off x="0" y="2137149"/>
+          <a:ext cx="6188188" cy="352800"/>
         </a:xfrm>
         <a:prstGeom prst="rect">
           <a:avLst/>
@@ -1540,8 +1828,8 @@
       </dsp:nvSpPr>
       <dsp:spPr>
         <a:xfrm>
-          <a:off x="309409" y="1949409"/>
-          <a:ext cx="4331732" cy="619920"/>
+          <a:off x="309409" y="1930509"/>
+          <a:ext cx="4331732" cy="413280"/>
         </a:xfrm>
         <a:prstGeom prst="roundRect">
           <a:avLst/>
@@ -1587,7 +1875,7 @@
         </a:bodyPr>
         <a:lstStyle/>
         <a:p>
-          <a:pPr marL="0" lvl="0" indent="0" algn="l" defTabSz="933450">
+          <a:pPr marL="0" lvl="0" indent="0" algn="l" defTabSz="622300">
             <a:lnSpc>
               <a:spcPct val="90000"/>
             </a:lnSpc>
@@ -1600,15 +1888,15 @@
             <a:buNone/>
           </a:pPr>
           <a:r>
-            <a:rPr lang="en-US" sz="2100" b="0" i="0" kern="1200"/>
+            <a:rPr lang="en-US" sz="1400" b="0" i="0" kern="1200"/>
             <a:t>Demonstration:</a:t>
           </a:r>
-          <a:endParaRPr lang="en-US" sz="2100" kern="1200"/>
+          <a:endParaRPr lang="en-US" sz="1400" kern="1200"/>
         </a:p>
       </dsp:txBody>
       <dsp:txXfrm>
-        <a:off x="339671" y="1979671"/>
-        <a:ext cx="4271208" cy="559396"/>
+        <a:off x="329584" y="1950684"/>
+        <a:ext cx="4291382" cy="372930"/>
       </dsp:txXfrm>
     </dsp:sp>
     <dsp:sp modelId="{A38208E2-6F66-49A2-92A8-8B54EF8B176C}">
@@ -1618,8 +1906,8 @@
       </dsp:nvSpPr>
       <dsp:spPr>
         <a:xfrm>
-          <a:off x="0" y="3211929"/>
-          <a:ext cx="6188188" cy="529200"/>
+          <a:off x="0" y="2772189"/>
+          <a:ext cx="6188188" cy="352800"/>
         </a:xfrm>
         <a:prstGeom prst="rect">
           <a:avLst/>
@@ -1666,8 +1954,8 @@
       </dsp:nvSpPr>
       <dsp:spPr>
         <a:xfrm>
-          <a:off x="309409" y="2901969"/>
-          <a:ext cx="4331732" cy="619920"/>
+          <a:off x="309409" y="2565549"/>
+          <a:ext cx="4331732" cy="413280"/>
         </a:xfrm>
         <a:prstGeom prst="roundRect">
           <a:avLst/>
@@ -1713,7 +2001,7 @@
         </a:bodyPr>
         <a:lstStyle/>
         <a:p>
-          <a:pPr marL="0" lvl="0" indent="0" algn="l" defTabSz="933450">
+          <a:pPr marL="0" lvl="0" indent="0" algn="l" defTabSz="622300">
             <a:lnSpc>
               <a:spcPct val="90000"/>
             </a:lnSpc>
@@ -1726,15 +2014,145 @@
             <a:buNone/>
           </a:pPr>
           <a:r>
-            <a:rPr lang="en-US" sz="2100" b="0" i="0" kern="1200"/>
-            <a:t>Conclusion:</a:t>
+            <a:rPr lang="en-US" sz="1400" kern="1200" dirty="0">
+              <a:solidFill>
+                <a:srgbClr val="EBEBEB"/>
+              </a:solidFill>
+              <a:effectLst/>
+            </a:rPr>
+            <a:t>Benefits:</a:t>
           </a:r>
-          <a:endParaRPr lang="en-US" sz="2100" kern="1200"/>
+          <a:endParaRPr lang="en-US" sz="1400" kern="1200" dirty="0"/>
         </a:p>
       </dsp:txBody>
       <dsp:txXfrm>
-        <a:off x="339671" y="2932231"/>
-        <a:ext cx="4271208" cy="559396"/>
+        <a:off x="329584" y="2585724"/>
+        <a:ext cx="4291382" cy="372930"/>
+      </dsp:txXfrm>
+    </dsp:sp>
+    <dsp:sp modelId="{328E22DD-A671-4261-9C92-B335A1EC3643}">
+      <dsp:nvSpPr>
+        <dsp:cNvPr id="0" name=""/>
+        <dsp:cNvSpPr/>
+      </dsp:nvSpPr>
+      <dsp:spPr>
+        <a:xfrm>
+          <a:off x="0" y="3407229"/>
+          <a:ext cx="6188188" cy="352800"/>
+        </a:xfrm>
+        <a:prstGeom prst="rect">
+          <a:avLst/>
+        </a:prstGeom>
+        <a:solidFill>
+          <a:schemeClr val="lt1">
+            <a:alpha val="90000"/>
+            <a:hueOff val="0"/>
+            <a:satOff val="0"/>
+            <a:lumOff val="0"/>
+            <a:alphaOff val="0"/>
+          </a:schemeClr>
+        </a:solidFill>
+        <a:ln w="19050" cap="rnd" cmpd="sng" algn="ctr">
+          <a:solidFill>
+            <a:schemeClr val="accent1">
+              <a:hueOff val="0"/>
+              <a:satOff val="0"/>
+              <a:lumOff val="0"/>
+              <a:alphaOff val="0"/>
+            </a:schemeClr>
+          </a:solidFill>
+          <a:prstDash val="solid"/>
+        </a:ln>
+        <a:effectLst/>
+      </dsp:spPr>
+      <dsp:style>
+        <a:lnRef idx="2">
+          <a:scrgbClr r="0" g="0" b="0"/>
+        </a:lnRef>
+        <a:fillRef idx="1">
+          <a:scrgbClr r="0" g="0" b="0"/>
+        </a:fillRef>
+        <a:effectRef idx="0">
+          <a:scrgbClr r="0" g="0" b="0"/>
+        </a:effectRef>
+        <a:fontRef idx="minor"/>
+      </dsp:style>
+    </dsp:sp>
+    <dsp:sp modelId="{8779D9F8-674F-405B-A3AC-0EE8EA3F08FA}">
+      <dsp:nvSpPr>
+        <dsp:cNvPr id="0" name=""/>
+        <dsp:cNvSpPr/>
+      </dsp:nvSpPr>
+      <dsp:spPr>
+        <a:xfrm>
+          <a:off x="309409" y="3200589"/>
+          <a:ext cx="4331732" cy="413280"/>
+        </a:xfrm>
+        <a:prstGeom prst="roundRect">
+          <a:avLst/>
+        </a:prstGeom>
+        <a:solidFill>
+          <a:schemeClr val="accent1">
+            <a:hueOff val="0"/>
+            <a:satOff val="0"/>
+            <a:lumOff val="0"/>
+            <a:alphaOff val="0"/>
+          </a:schemeClr>
+        </a:solidFill>
+        <a:ln w="19050" cap="rnd" cmpd="sng" algn="ctr">
+          <a:solidFill>
+            <a:schemeClr val="lt1">
+              <a:hueOff val="0"/>
+              <a:satOff val="0"/>
+              <a:lumOff val="0"/>
+              <a:alphaOff val="0"/>
+            </a:schemeClr>
+          </a:solidFill>
+          <a:prstDash val="solid"/>
+        </a:ln>
+        <a:effectLst/>
+      </dsp:spPr>
+      <dsp:style>
+        <a:lnRef idx="2">
+          <a:scrgbClr r="0" g="0" b="0"/>
+        </a:lnRef>
+        <a:fillRef idx="1">
+          <a:scrgbClr r="0" g="0" b="0"/>
+        </a:fillRef>
+        <a:effectRef idx="0">
+          <a:scrgbClr r="0" g="0" b="0"/>
+        </a:effectRef>
+        <a:fontRef idx="minor">
+          <a:schemeClr val="lt1"/>
+        </a:fontRef>
+      </dsp:style>
+      <dsp:txBody>
+        <a:bodyPr spcFirstLastPara="0" vert="horz" wrap="square" lIns="163729" tIns="0" rIns="163729" bIns="0" numCol="1" spcCol="1270" anchor="ctr" anchorCtr="0">
+          <a:noAutofit/>
+        </a:bodyPr>
+        <a:lstStyle/>
+        <a:p>
+          <a:pPr marL="0" lvl="0" indent="0" algn="l" defTabSz="622300">
+            <a:lnSpc>
+              <a:spcPct val="90000"/>
+            </a:lnSpc>
+            <a:spcBef>
+              <a:spcPct val="0"/>
+            </a:spcBef>
+            <a:spcAft>
+              <a:spcPct val="35000"/>
+            </a:spcAft>
+            <a:buNone/>
+          </a:pPr>
+          <a:r>
+            <a:rPr lang="en-US" sz="1400" kern="1200" dirty="0"/>
+            <a:t>Conclusion:</a:t>
+          </a:r>
+        </a:p>
+      </dsp:txBody>
+      <dsp:txXfrm>
+        <a:off x="329584" y="3220764"/>
+        <a:ext cx="4291382" cy="372930"/>
       </dsp:txXfrm>
     </dsp:sp>
   </dsp:spTree>
@@ -3094,7 +3512,7 @@
           <a:p>
             <a:fld id="{367A1AC4-3AE8-4F87-AAED-904EC6054702}" type="datetimeFigureOut">
               <a:rPr lang="en-US" smtClean="0"/>
-              <a:t>1/31/2024</a:t>
+              <a:t>2/2/2024</a:t>
             </a:fld>
             <a:endParaRPr lang="en-US" dirty="0"/>
           </a:p>
@@ -3271,7 +3689,7 @@
           <a:p>
             <a:fld id="{C5556653-6123-4FE4-861F-5F9583BF59B0}" type="datetimeFigureOut">
               <a:rPr lang="en-US" smtClean="0"/>
-              <a:t>1/31/2024</a:t>
+              <a:t>2/2/2024</a:t>
             </a:fld>
             <a:endParaRPr lang="en-US" dirty="0"/>
           </a:p>
@@ -4431,7 +4849,7 @@
           <a:p>
             <a:fld id="{AAE613A3-7427-4A9A-9B2A-23B005FA5F48}" type="datetime1">
               <a:rPr lang="en-US" smtClean="0"/>
-              <a:t>1/31/2024</a:t>
+              <a:t>2/2/2024</a:t>
             </a:fld>
             <a:endParaRPr lang="en-US" dirty="0"/>
           </a:p>
@@ -4712,7 +5130,7 @@
           <a:p>
             <a:fld id="{AAE613A3-7427-4A9A-9B2A-23B005FA5F48}" type="datetime1">
               <a:rPr lang="en-US" smtClean="0"/>
-              <a:t>1/31/2024</a:t>
+              <a:t>2/2/2024</a:t>
             </a:fld>
             <a:endParaRPr lang="en-US" dirty="0"/>
           </a:p>
@@ -4912,7 +5330,7 @@
           <a:p>
             <a:fld id="{AAE613A3-7427-4A9A-9B2A-23B005FA5F48}" type="datetime1">
               <a:rPr lang="en-US" smtClean="0"/>
-              <a:t>1/31/2024</a:t>
+              <a:t>2/2/2024</a:t>
             </a:fld>
             <a:endParaRPr lang="en-US" dirty="0"/>
           </a:p>
@@ -5191,7 +5609,7 @@
           <a:p>
             <a:fld id="{AAE613A3-7427-4A9A-9B2A-23B005FA5F48}" type="datetime1">
               <a:rPr lang="en-US" smtClean="0"/>
-              <a:t>1/31/2024</a:t>
+              <a:t>2/2/2024</a:t>
             </a:fld>
             <a:endParaRPr lang="en-US" dirty="0"/>
           </a:p>
@@ -5538,7 +5956,7 @@
           <a:p>
             <a:fld id="{AAE613A3-7427-4A9A-9B2A-23B005FA5F48}" type="datetime1">
               <a:rPr lang="en-US" smtClean="0"/>
-              <a:t>1/31/2024</a:t>
+              <a:t>2/2/2024</a:t>
             </a:fld>
             <a:endParaRPr lang="en-US" dirty="0"/>
           </a:p>
@@ -6167,7 +6585,7 @@
           <a:p>
             <a:fld id="{AAE613A3-7427-4A9A-9B2A-23B005FA5F48}" type="datetime1">
               <a:rPr lang="en-US" smtClean="0"/>
-              <a:t>1/31/2024</a:t>
+              <a:t>2/2/2024</a:t>
             </a:fld>
             <a:endParaRPr lang="en-US" dirty="0"/>
           </a:p>
@@ -7033,7 +7451,7 @@
           <a:p>
             <a:fld id="{AAE613A3-7427-4A9A-9B2A-23B005FA5F48}" type="datetime1">
               <a:rPr lang="en-US" smtClean="0"/>
-              <a:t>1/31/2024</a:t>
+              <a:t>2/2/2024</a:t>
             </a:fld>
             <a:endParaRPr lang="en-US" dirty="0"/>
           </a:p>
@@ -7209,7 +7627,7 @@
           <a:p>
             <a:fld id="{AAE613A3-7427-4A9A-9B2A-23B005FA5F48}" type="datetime1">
               <a:rPr lang="en-US" smtClean="0"/>
-              <a:t>1/31/2024</a:t>
+              <a:t>2/2/2024</a:t>
             </a:fld>
             <a:endParaRPr lang="en-US" dirty="0"/>
           </a:p>
@@ -7395,7 +7813,7 @@
           <a:p>
             <a:fld id="{AAE613A3-7427-4A9A-9B2A-23B005FA5F48}" type="datetime1">
               <a:rPr lang="en-US" smtClean="0"/>
-              <a:t>1/31/2024</a:t>
+              <a:t>2/2/2024</a:t>
             </a:fld>
             <a:endParaRPr lang="en-US" dirty="0"/>
           </a:p>
@@ -7906,7 +8324,7 @@
                   </a:outerShdw>
                 </a:effectLst>
               </a:rPr>
-              <a:t>1/31/2024</a:t>
+              <a:t>2/2/2024</a:t>
             </a:fld>
             <a:endParaRPr lang="en-US" dirty="0">
               <a:solidFill>
@@ -8780,7 +9198,7 @@
           <a:p>
             <a:fld id="{C7049658-B31A-4F62-9996-2FC707C5F2CD}" type="datetime1">
               <a:rPr lang="en-US" smtClean="0"/>
-              <a:t>1/31/2024</a:t>
+              <a:t>2/2/2024</a:t>
             </a:fld>
             <a:endParaRPr lang="en-US" dirty="0"/>
           </a:p>
@@ -8943,7 +9361,7 @@
           <a:p>
             <a:fld id="{AAE613A3-7427-4A9A-9B2A-23B005FA5F48}" type="datetime1">
               <a:rPr lang="en-US" smtClean="0"/>
-              <a:t>1/31/2024</a:t>
+              <a:t>2/2/2024</a:t>
             </a:fld>
             <a:endParaRPr lang="en-US" dirty="0"/>
           </a:p>
@@ -9480,7 +9898,7 @@
                 </a:solidFill>
               </a:rPr>
               <a:pPr/>
-              <a:t>1/31/2024</a:t>
+              <a:t>2/2/2024</a:t>
             </a:fld>
             <a:endParaRPr lang="en-US" dirty="0"/>
           </a:p>
@@ -10230,7 +10648,7 @@
           <a:p>
             <a:fld id="{F6852FE2-76E6-44F3-971E-3B1E6B948E41}" type="datetime1">
               <a:rPr lang="en-US" smtClean="0"/>
-              <a:t>1/31/2024</a:t>
+              <a:t>2/2/2024</a:t>
             </a:fld>
             <a:endParaRPr lang="en-US" dirty="0"/>
           </a:p>
@@ -10700,7 +11118,7 @@
             <a:fld id="{C150E1EA-44FA-4D89-855F-C0B34F87238D}" type="datetime1">
               <a:rPr lang="en-US" smtClean="0"/>
               <a:pPr/>
-              <a:t>1/31/2024</a:t>
+              <a:t>2/2/2024</a:t>
             </a:fld>
             <a:endParaRPr lang="en-US" dirty="0"/>
           </a:p>
@@ -11395,7 +11813,7 @@
             <a:fld id="{DD9E41B7-A2DB-4285-A7A5-A1084718EB55}" type="datetime1">
               <a:rPr lang="en-US" smtClean="0"/>
               <a:pPr/>
-              <a:t>1/31/2024</a:t>
+              <a:t>2/2/2024</a:t>
             </a:fld>
             <a:endParaRPr lang="en-US" dirty="0"/>
           </a:p>
@@ -12070,7 +12488,7 @@
             <a:fld id="{32546992-DEFF-4765-9FB8-C2ACF446503A}" type="datetime1">
               <a:rPr lang="en-US" smtClean="0"/>
               <a:pPr/>
-              <a:t>1/31/2024</a:t>
+              <a:t>2/2/2024</a:t>
             </a:fld>
             <a:endParaRPr lang="en-US" dirty="0"/>
           </a:p>
@@ -13078,7 +13496,7 @@
           <a:p>
             <a:fld id="{DDA8E063-DAA4-4787-8AA1-15BBB2D38CED}" type="datetime1">
               <a:rPr lang="en-US" smtClean="0"/>
-              <a:t>1/31/2024</a:t>
+              <a:t>2/2/2024</a:t>
             </a:fld>
             <a:endParaRPr lang="en-US" dirty="0"/>
           </a:p>
@@ -13514,7 +13932,7 @@
           <a:p>
             <a:fld id="{DDA8E063-DAA4-4787-8AA1-15BBB2D38CED}" type="datetime1">
               <a:rPr lang="en-US" smtClean="0"/>
-              <a:t>1/31/2024</a:t>
+              <a:t>2/2/2024</a:t>
             </a:fld>
             <a:endParaRPr lang="en-US" dirty="0"/>
           </a:p>
@@ -13753,7 +14171,7 @@
           <a:p>
             <a:fld id="{AAE613A3-7427-4A9A-9B2A-23B005FA5F48}" type="datetime1">
               <a:rPr lang="en-US" smtClean="0"/>
-              <a:t>1/31/2024</a:t>
+              <a:t>2/2/2024</a:t>
             </a:fld>
             <a:endParaRPr lang="en-US" dirty="0"/>
           </a:p>
@@ -14051,7 +14469,7 @@
           <a:p>
             <a:fld id="{AAE613A3-7427-4A9A-9B2A-23B005FA5F48}" type="datetime1">
               <a:rPr lang="en-US" smtClean="0"/>
-              <a:t>1/31/2024</a:t>
+              <a:t>2/2/2024</a:t>
             </a:fld>
             <a:endParaRPr lang="en-US" dirty="0"/>
           </a:p>
@@ -14501,7 +14919,7 @@
           <a:p>
             <a:fld id="{AAE613A3-7427-4A9A-9B2A-23B005FA5F48}" type="datetime1">
               <a:rPr lang="en-US" smtClean="0"/>
-              <a:t>1/31/2024</a:t>
+              <a:t>2/2/2024</a:t>
             </a:fld>
             <a:endParaRPr lang="en-US" dirty="0"/>
           </a:p>
@@ -14625,7 +15043,7 @@
           <a:p>
             <a:fld id="{AAE613A3-7427-4A9A-9B2A-23B005FA5F48}" type="datetime1">
               <a:rPr lang="en-US" smtClean="0"/>
-              <a:t>1/31/2024</a:t>
+              <a:t>2/2/2024</a:t>
             </a:fld>
             <a:endParaRPr lang="en-US" dirty="0"/>
           </a:p>
@@ -14726,7 +15144,7 @@
           <a:p>
             <a:fld id="{AAE613A3-7427-4A9A-9B2A-23B005FA5F48}" type="datetime1">
               <a:rPr lang="en-US" smtClean="0"/>
-              <a:t>1/31/2024</a:t>
+              <a:t>2/2/2024</a:t>
             </a:fld>
             <a:endParaRPr lang="en-US" dirty="0"/>
           </a:p>
@@ -15011,7 +15429,7 @@
           <a:p>
             <a:fld id="{AAE613A3-7427-4A9A-9B2A-23B005FA5F48}" type="datetime1">
               <a:rPr lang="en-US" smtClean="0"/>
-              <a:t>1/31/2024</a:t>
+              <a:t>2/2/2024</a:t>
             </a:fld>
             <a:endParaRPr lang="en-US" dirty="0"/>
           </a:p>
@@ -15292,7 +15710,7 @@
           <a:p>
             <a:fld id="{AAE613A3-7427-4A9A-9B2A-23B005FA5F48}" type="datetime1">
               <a:rPr lang="en-US" smtClean="0"/>
-              <a:t>1/31/2024</a:t>
+              <a:t>2/2/2024</a:t>
             </a:fld>
             <a:endParaRPr lang="en-US" dirty="0"/>
           </a:p>
@@ -15727,7 +16145,7 @@
           <a:p>
             <a:fld id="{AAE613A3-7427-4A9A-9B2A-23B005FA5F48}" type="datetime1">
               <a:rPr lang="en-US" smtClean="0"/>
-              <a:t>1/31/2024</a:t>
+              <a:t>2/2/2024</a:t>
             </a:fld>
             <a:endParaRPr lang="en-US" dirty="0"/>
           </a:p>
@@ -16976,7 +17394,7 @@
                   <a:spcPts val="600"/>
                 </a:spcAft>
               </a:pPr>
-              <a:t>1/31/2024</a:t>
+              <a:t>2/2/2024</a:t>
             </a:fld>
             <a:endParaRPr lang="en-US">
               <a:solidFill>
@@ -17156,7 +17574,7 @@
             <p:ph idx="1"/>
             <p:extLst>
               <p:ext uri="{D42A27DB-BD31-4B8C-83A1-F6EECF244321}">
-                <p14:modId xmlns:p14="http://schemas.microsoft.com/office/powerpoint/2010/main" val="774646870"/>
+                <p14:modId xmlns:p14="http://schemas.microsoft.com/office/powerpoint/2010/main" val="1092991527"/>
               </p:ext>
             </p:extLst>
           </p:nvPr>
@@ -18722,7 +19140,7 @@
                   <a:spcPts val="600"/>
                 </a:spcAft>
               </a:pPr>
-              <a:t>1/31/2024</a:t>
+              <a:t>2/2/2024</a:t>
             </a:fld>
             <a:endParaRPr lang="en-US">
               <a:solidFill>
@@ -19575,7 +19993,7 @@
                   <a:spcPts val="600"/>
                 </a:spcAft>
               </a:pPr>
-              <a:t>1/31/2024</a:t>
+              <a:t>2/2/2024</a:t>
             </a:fld>
             <a:endParaRPr lang="en-US">
               <a:solidFill>
@@ -20360,7 +20778,7 @@
                   <a:spcPts val="600"/>
                 </a:spcAft>
               </a:pPr>
-              <a:t>1/31/2024</a:t>
+              <a:t>2/2/2024</a:t>
             </a:fld>
             <a:endParaRPr lang="en-US">
               <a:solidFill>
@@ -21953,7 +22371,7 @@
                   <a:spcPts val="600"/>
                 </a:spcAft>
               </a:pPr>
-              <a:t>1/31/2024</a:t>
+              <a:t>2/2/2024</a:t>
             </a:fld>
             <a:endParaRPr lang="en-US">
               <a:solidFill>
@@ -22713,7 +23131,7 @@
           <a:lstStyle/>
           <a:p>
             <a:r>
-              <a:rPr lang="en-US"/>
+              <a:rPr lang="en-US" dirty="0"/>
               <a:t>Conclusion:</a:t>
             </a:r>
           </a:p>
@@ -24738,35 +25156,6 @@
 </file>
 
 <file path=customXml/item1.xml><?xml version="1.0" encoding="utf-8"?>
-<p:properties xmlns:p="http://schemas.microsoft.com/office/2006/metadata/properties" xmlns:xsi="http://www.w3.org/2001/XMLSchema-instance" xmlns:pc="http://schemas.microsoft.com/office/infopath/2007/PartnerControls">
-  <documentManagement>
-    <Status xmlns="71af3243-3dd4-4a8d-8c0d-dd76da1f02a5">Not started</Status>
-    <_ip_UnifiedCompliancePolicyUIAction xmlns="http://schemas.microsoft.com/sharepoint/v3" xsi:nil="true"/>
-    <Image xmlns="71af3243-3dd4-4a8d-8c0d-dd76da1f02a5">
-      <Url xsi:nil="true"/>
-      <Description xsi:nil="true"/>
-    </Image>
-    <_ip_UnifiedCompliancePolicyProperties xmlns="http://schemas.microsoft.com/sharepoint/v3" xsi:nil="true"/>
-    <TaxCatchAll xmlns="230e9df3-be65-4c73-a93b-d1236ebd677e" xsi:nil="true"/>
-    <MediaServiceKeyPoints xmlns="71af3243-3dd4-4a8d-8c0d-dd76da1f02a5" xsi:nil="true"/>
-    <Background xmlns="71af3243-3dd4-4a8d-8c0d-dd76da1f02a5">false</Background>
-    <ImageTagsTaxHTField xmlns="71af3243-3dd4-4a8d-8c0d-dd76da1f02a5">
-      <Terms xmlns="http://schemas.microsoft.com/office/infopath/2007/PartnerControls"/>
-    </ImageTagsTaxHTField>
-  </documentManagement>
-</p:properties>
-</file>
-
-<file path=customXml/item2.xml><?xml version="1.0" encoding="utf-8"?>
-<?mso-contentType ?>
-<FormTemplates xmlns="http://schemas.microsoft.com/sharepoint/v3/contenttype/forms">
-  <Display>DocumentLibraryForm</Display>
-  <Edit>DocumentLibraryForm</Edit>
-  <New>DocumentLibraryForm</New>
-</FormTemplates>
-</file>
-
-<file path=customXml/item3.xml><?xml version="1.0" encoding="utf-8"?>
 <ct:contentTypeSchema xmlns:ct="http://schemas.microsoft.com/office/2006/metadata/contentType" xmlns:ma="http://schemas.microsoft.com/office/2006/metadata/properties/metaAttributes" ct:_="" ma:_="" ma:contentTypeName="Document" ma:contentTypeID="0x01010079F111ED35F8CC479449609E8A0923A6" ma:contentTypeVersion="28" ma:contentTypeDescription="Create a new document." ma:contentTypeScope="" ma:versionID="60f5a4f2d2b0abadcf532d48ebf9cb71">
   <xsd:schema xmlns:xsd="http://www.w3.org/2001/XMLSchema" xmlns:xs="http://www.w3.org/2001/XMLSchema" xmlns:p="http://schemas.microsoft.com/office/2006/metadata/properties" xmlns:ns1="http://schemas.microsoft.com/sharepoint/v3" xmlns:ns2="71af3243-3dd4-4a8d-8c0d-dd76da1f02a5" xmlns:ns3="16c05727-aa75-4e4a-9b5f-8a80a1165891" xmlns:ns4="230e9df3-be65-4c73-a93b-d1236ebd677e" targetNamespace="http://schemas.microsoft.com/office/2006/metadata/properties" ma:root="true" ma:fieldsID="7dd78129e6a1811f84807ad11c651531" ns1:_="" ns2:_="" ns3:_="" ns4:_="">
     <xsd:import namespace="http://schemas.microsoft.com/sharepoint/v3"/>
@@ -25078,27 +25467,36 @@
 </ct:contentTypeSchema>
 </file>
 
-<file path=customXml/itemProps1.xml><?xml version="1.0" encoding="utf-8"?>
-<ds:datastoreItem xmlns:ds="http://schemas.openxmlformats.org/officeDocument/2006/customXml" ds:itemID="{D6B374A7-2E79-4FEF-822D-2492B9AD907B}">
-  <ds:schemaRefs>
-    <ds:schemaRef ds:uri="http://schemas.microsoft.com/office/2006/metadata/properties"/>
-    <ds:schemaRef ds:uri="http://schemas.microsoft.com/office/infopath/2007/PartnerControls"/>
-    <ds:schemaRef ds:uri="71af3243-3dd4-4a8d-8c0d-dd76da1f02a5"/>
-    <ds:schemaRef ds:uri="http://schemas.microsoft.com/sharepoint/v3"/>
-    <ds:schemaRef ds:uri="230e9df3-be65-4c73-a93b-d1236ebd677e"/>
-  </ds:schemaRefs>
-</ds:datastoreItem>
+<file path=customXml/item2.xml><?xml version="1.0" encoding="utf-8"?>
+<?mso-contentType ?>
+<FormTemplates xmlns="http://schemas.microsoft.com/sharepoint/v3/contenttype/forms">
+  <Display>DocumentLibraryForm</Display>
+  <Edit>DocumentLibraryForm</Edit>
+  <New>DocumentLibraryForm</New>
+</FormTemplates>
 </file>
 
-<file path=customXml/itemProps2.xml><?xml version="1.0" encoding="utf-8"?>
-<ds:datastoreItem xmlns:ds="http://schemas.openxmlformats.org/officeDocument/2006/customXml" ds:itemID="{C093A0A0-A69C-47FE-9FE5-21F06181BF4F}">
-  <ds:schemaRefs>
-    <ds:schemaRef ds:uri="http://schemas.microsoft.com/sharepoint/v3/contenttype/forms"/>
-  </ds:schemaRefs>
-</ds:datastoreItem>
+<file path=customXml/item3.xml><?xml version="1.0" encoding="utf-8"?>
+<p:properties xmlns:p="http://schemas.microsoft.com/office/2006/metadata/properties" xmlns:xsi="http://www.w3.org/2001/XMLSchema-instance" xmlns:pc="http://schemas.microsoft.com/office/infopath/2007/PartnerControls">
+  <documentManagement>
+    <Status xmlns="71af3243-3dd4-4a8d-8c0d-dd76da1f02a5">Not started</Status>
+    <_ip_UnifiedCompliancePolicyUIAction xmlns="http://schemas.microsoft.com/sharepoint/v3" xsi:nil="true"/>
+    <Image xmlns="71af3243-3dd4-4a8d-8c0d-dd76da1f02a5">
+      <Url xsi:nil="true"/>
+      <Description xsi:nil="true"/>
+    </Image>
+    <_ip_UnifiedCompliancePolicyProperties xmlns="http://schemas.microsoft.com/sharepoint/v3" xsi:nil="true"/>
+    <TaxCatchAll xmlns="230e9df3-be65-4c73-a93b-d1236ebd677e" xsi:nil="true"/>
+    <MediaServiceKeyPoints xmlns="71af3243-3dd4-4a8d-8c0d-dd76da1f02a5" xsi:nil="true"/>
+    <Background xmlns="71af3243-3dd4-4a8d-8c0d-dd76da1f02a5">false</Background>
+    <ImageTagsTaxHTField xmlns="71af3243-3dd4-4a8d-8c0d-dd76da1f02a5">
+      <Terms xmlns="http://schemas.microsoft.com/office/infopath/2007/PartnerControls"/>
+    </ImageTagsTaxHTField>
+  </documentManagement>
+</p:properties>
 </file>
 
-<file path=customXml/itemProps3.xml><?xml version="1.0" encoding="utf-8"?>
+<file path=customXml/itemProps1.xml><?xml version="1.0" encoding="utf-8"?>
 <ds:datastoreItem xmlns:ds="http://schemas.openxmlformats.org/officeDocument/2006/customXml" ds:itemID="{552330D6-F005-4F15-8FBA-5049BFF09351}">
   <ds:schemaRefs>
     <ds:schemaRef ds:uri="http://schemas.microsoft.com/office/2006/metadata/contentType"/>
@@ -25119,6 +25517,26 @@
 </ds:datastoreItem>
 </file>
 
+<file path=customXml/itemProps2.xml><?xml version="1.0" encoding="utf-8"?>
+<ds:datastoreItem xmlns:ds="http://schemas.openxmlformats.org/officeDocument/2006/customXml" ds:itemID="{C093A0A0-A69C-47FE-9FE5-21F06181BF4F}">
+  <ds:schemaRefs>
+    <ds:schemaRef ds:uri="http://schemas.microsoft.com/sharepoint/v3/contenttype/forms"/>
+  </ds:schemaRefs>
+</ds:datastoreItem>
+</file>
+
+<file path=customXml/itemProps3.xml><?xml version="1.0" encoding="utf-8"?>
+<ds:datastoreItem xmlns:ds="http://schemas.openxmlformats.org/officeDocument/2006/customXml" ds:itemID="{D6B374A7-2E79-4FEF-822D-2492B9AD907B}">
+  <ds:schemaRefs>
+    <ds:schemaRef ds:uri="http://schemas.microsoft.com/office/2006/metadata/properties"/>
+    <ds:schemaRef ds:uri="http://schemas.microsoft.com/office/infopath/2007/PartnerControls"/>
+    <ds:schemaRef ds:uri="71af3243-3dd4-4a8d-8c0d-dd76da1f02a5"/>
+    <ds:schemaRef ds:uri="http://schemas.microsoft.com/sharepoint/v3"/>
+    <ds:schemaRef ds:uri="230e9df3-be65-4c73-a93b-d1236ebd677e"/>
+  </ds:schemaRefs>
+</ds:datastoreItem>
+</file>
+
 <file path=docMetadata/LabelInfo.xml><?xml version="1.0" encoding="utf-8"?>
 <clbl:labelList xmlns:clbl="http://schemas.microsoft.com/office/2020/mipLabelMetadata"/>
 </file>